--- a/HC_DB_Analyses/HC_DB_Numbers_Reversed/SDprox2PoolExamples.pptx
+++ b/HC_DB_Analyses/HC_DB_Numbers_Reversed/SDprox2PoolExamples.pptx
@@ -243,7 +243,7 @@
           <a:p>
             <a:fld id="{13B4EEC1-59A0-6147-A616-EE74AE21FFF0}" type="datetimeFigureOut">
               <a:rPr lang="en-US" smtClean="0"/>
-              <a:t>5/27/17</a:t>
+              <a:t>1/26/18</a:t>
             </a:fld>
             <a:endParaRPr lang="en-US"/>
           </a:p>
@@ -408,7 +408,7 @@
           <a:p>
             <a:fld id="{13B4EEC1-59A0-6147-A616-EE74AE21FFF0}" type="datetimeFigureOut">
               <a:rPr lang="en-US" smtClean="0"/>
-              <a:t>5/27/17</a:t>
+              <a:t>1/26/18</a:t>
             </a:fld>
             <a:endParaRPr lang="en-US"/>
           </a:p>
@@ -583,7 +583,7 @@
           <a:p>
             <a:fld id="{13B4EEC1-59A0-6147-A616-EE74AE21FFF0}" type="datetimeFigureOut">
               <a:rPr lang="en-US" smtClean="0"/>
-              <a:t>5/27/17</a:t>
+              <a:t>1/26/18</a:t>
             </a:fld>
             <a:endParaRPr lang="en-US"/>
           </a:p>
@@ -748,7 +748,7 @@
           <a:p>
             <a:fld id="{13B4EEC1-59A0-6147-A616-EE74AE21FFF0}" type="datetimeFigureOut">
               <a:rPr lang="en-US" smtClean="0"/>
-              <a:t>5/27/17</a:t>
+              <a:t>1/26/18</a:t>
             </a:fld>
             <a:endParaRPr lang="en-US"/>
           </a:p>
@@ -987,7 +987,7 @@
           <a:p>
             <a:fld id="{13B4EEC1-59A0-6147-A616-EE74AE21FFF0}" type="datetimeFigureOut">
               <a:rPr lang="en-US" smtClean="0"/>
-              <a:t>5/27/17</a:t>
+              <a:t>1/26/18</a:t>
             </a:fld>
             <a:endParaRPr lang="en-US"/>
           </a:p>
@@ -1214,7 +1214,7 @@
           <a:p>
             <a:fld id="{13B4EEC1-59A0-6147-A616-EE74AE21FFF0}" type="datetimeFigureOut">
               <a:rPr lang="en-US" smtClean="0"/>
-              <a:t>5/27/17</a:t>
+              <a:t>1/26/18</a:t>
             </a:fld>
             <a:endParaRPr lang="en-US"/>
           </a:p>
@@ -1576,7 +1576,7 @@
           <a:p>
             <a:fld id="{13B4EEC1-59A0-6147-A616-EE74AE21FFF0}" type="datetimeFigureOut">
               <a:rPr lang="en-US" smtClean="0"/>
-              <a:t>5/27/17</a:t>
+              <a:t>1/26/18</a:t>
             </a:fld>
             <a:endParaRPr lang="en-US"/>
           </a:p>
@@ -1689,7 +1689,7 @@
           <a:p>
             <a:fld id="{13B4EEC1-59A0-6147-A616-EE74AE21FFF0}" type="datetimeFigureOut">
               <a:rPr lang="en-US" smtClean="0"/>
-              <a:t>5/27/17</a:t>
+              <a:t>1/26/18</a:t>
             </a:fld>
             <a:endParaRPr lang="en-US"/>
           </a:p>
@@ -1779,7 +1779,7 @@
           <a:p>
             <a:fld id="{13B4EEC1-59A0-6147-A616-EE74AE21FFF0}" type="datetimeFigureOut">
               <a:rPr lang="en-US" smtClean="0"/>
-              <a:t>5/27/17</a:t>
+              <a:t>1/26/18</a:t>
             </a:fld>
             <a:endParaRPr lang="en-US"/>
           </a:p>
@@ -2051,7 +2051,7 @@
           <a:p>
             <a:fld id="{13B4EEC1-59A0-6147-A616-EE74AE21FFF0}" type="datetimeFigureOut">
               <a:rPr lang="en-US" smtClean="0"/>
-              <a:t>5/27/17</a:t>
+              <a:t>1/26/18</a:t>
             </a:fld>
             <a:endParaRPr lang="en-US"/>
           </a:p>
@@ -2303,7 +2303,7 @@
           <a:p>
             <a:fld id="{13B4EEC1-59A0-6147-A616-EE74AE21FFF0}" type="datetimeFigureOut">
               <a:rPr lang="en-US" smtClean="0"/>
-              <a:t>5/27/17</a:t>
+              <a:t>1/26/18</a:t>
             </a:fld>
             <a:endParaRPr lang="en-US"/>
           </a:p>
@@ -2511,7 +2511,7 @@
           <a:p>
             <a:fld id="{13B4EEC1-59A0-6147-A616-EE74AE21FFF0}" type="datetimeFigureOut">
               <a:rPr lang="en-US" smtClean="0"/>
-              <a:t>5/27/17</a:t>
+              <a:t>1/26/18</a:t>
             </a:fld>
             <a:endParaRPr lang="en-US"/>
           </a:p>
@@ -3530,6 +3530,1160 @@
           </a:prstGeom>
         </p:spPr>
       </p:pic>
+      <p:sp>
+        <p:nvSpPr>
+          <p:cNvPr id="18" name="Rectangle 17"/>
+          <p:cNvSpPr/>
+          <p:nvPr/>
+        </p:nvSpPr>
+        <p:spPr>
+          <a:xfrm>
+            <a:off x="2642033" y="22664345"/>
+            <a:ext cx="23646967" cy="304218"/>
+          </a:xfrm>
+          <a:prstGeom prst="rect">
+            <a:avLst/>
+          </a:prstGeom>
+          <a:solidFill>
+            <a:schemeClr val="bg1"/>
+          </a:solidFill>
+          <a:ln>
+            <a:solidFill>
+              <a:schemeClr val="bg1"/>
+            </a:solidFill>
+          </a:ln>
+        </p:spPr>
+        <p:style>
+          <a:lnRef idx="2">
+            <a:schemeClr val="accent1">
+              <a:shade val="50000"/>
+            </a:schemeClr>
+          </a:lnRef>
+          <a:fillRef idx="1">
+            <a:schemeClr val="accent1"/>
+          </a:fillRef>
+          <a:effectRef idx="0">
+            <a:schemeClr val="accent1"/>
+          </a:effectRef>
+          <a:fontRef idx="minor">
+            <a:schemeClr val="lt1"/>
+          </a:fontRef>
+        </p:style>
+        <p:txBody>
+          <a:bodyPr rtlCol="0" anchor="ctr"/>
+          <a:lstStyle/>
+          <a:p>
+            <a:pPr algn="ctr"/>
+            <a:endParaRPr lang="en-US"/>
+          </a:p>
+        </p:txBody>
+      </p:sp>
+      <p:sp>
+        <p:nvSpPr>
+          <p:cNvPr id="19" name="Rectangle 18"/>
+          <p:cNvSpPr/>
+          <p:nvPr/>
+        </p:nvSpPr>
+        <p:spPr>
+          <a:xfrm>
+            <a:off x="635249" y="16969397"/>
+            <a:ext cx="27915843" cy="661992"/>
+          </a:xfrm>
+          <a:prstGeom prst="rect">
+            <a:avLst/>
+          </a:prstGeom>
+          <a:solidFill>
+            <a:schemeClr val="bg1"/>
+          </a:solidFill>
+          <a:ln>
+            <a:solidFill>
+              <a:schemeClr val="bg1"/>
+            </a:solidFill>
+          </a:ln>
+        </p:spPr>
+        <p:style>
+          <a:lnRef idx="2">
+            <a:schemeClr val="accent1">
+              <a:shade val="50000"/>
+            </a:schemeClr>
+          </a:lnRef>
+          <a:fillRef idx="1">
+            <a:schemeClr val="accent1"/>
+          </a:fillRef>
+          <a:effectRef idx="0">
+            <a:schemeClr val="accent1"/>
+          </a:effectRef>
+          <a:fontRef idx="minor">
+            <a:schemeClr val="lt1"/>
+          </a:fontRef>
+        </p:style>
+        <p:txBody>
+          <a:bodyPr rtlCol="0" anchor="ctr"/>
+          <a:lstStyle/>
+          <a:p>
+            <a:pPr algn="ctr"/>
+            <a:endParaRPr lang="en-US"/>
+          </a:p>
+        </p:txBody>
+      </p:sp>
+      <p:sp>
+        <p:nvSpPr>
+          <p:cNvPr id="20" name="Rectangle 19"/>
+          <p:cNvSpPr/>
+          <p:nvPr/>
+        </p:nvSpPr>
+        <p:spPr>
+          <a:xfrm>
+            <a:off x="232053" y="11321931"/>
+            <a:ext cx="28297842" cy="595094"/>
+          </a:xfrm>
+          <a:prstGeom prst="rect">
+            <a:avLst/>
+          </a:prstGeom>
+          <a:solidFill>
+            <a:schemeClr val="bg1"/>
+          </a:solidFill>
+          <a:ln>
+            <a:solidFill>
+              <a:schemeClr val="bg1"/>
+            </a:solidFill>
+          </a:ln>
+        </p:spPr>
+        <p:style>
+          <a:lnRef idx="2">
+            <a:schemeClr val="accent1">
+              <a:shade val="50000"/>
+            </a:schemeClr>
+          </a:lnRef>
+          <a:fillRef idx="1">
+            <a:schemeClr val="accent1"/>
+          </a:fillRef>
+          <a:effectRef idx="0">
+            <a:schemeClr val="accent1"/>
+          </a:effectRef>
+          <a:fontRef idx="minor">
+            <a:schemeClr val="lt1"/>
+          </a:fontRef>
+        </p:style>
+        <p:txBody>
+          <a:bodyPr rtlCol="0" anchor="ctr"/>
+          <a:lstStyle/>
+          <a:p>
+            <a:pPr algn="ctr"/>
+            <a:endParaRPr lang="en-US"/>
+          </a:p>
+        </p:txBody>
+      </p:sp>
+      <p:sp>
+        <p:nvSpPr>
+          <p:cNvPr id="21" name="Rectangle 20"/>
+          <p:cNvSpPr/>
+          <p:nvPr/>
+        </p:nvSpPr>
+        <p:spPr>
+          <a:xfrm>
+            <a:off x="7372300" y="5648963"/>
+            <a:ext cx="21291813" cy="575260"/>
+          </a:xfrm>
+          <a:prstGeom prst="rect">
+            <a:avLst/>
+          </a:prstGeom>
+          <a:solidFill>
+            <a:schemeClr val="bg1"/>
+          </a:solidFill>
+          <a:ln>
+            <a:solidFill>
+              <a:schemeClr val="bg1"/>
+            </a:solidFill>
+          </a:ln>
+        </p:spPr>
+        <p:style>
+          <a:lnRef idx="2">
+            <a:schemeClr val="accent1">
+              <a:shade val="50000"/>
+            </a:schemeClr>
+          </a:lnRef>
+          <a:fillRef idx="1">
+            <a:schemeClr val="accent1"/>
+          </a:fillRef>
+          <a:effectRef idx="0">
+            <a:schemeClr val="accent1"/>
+          </a:effectRef>
+          <a:fontRef idx="minor">
+            <a:schemeClr val="lt1"/>
+          </a:fontRef>
+        </p:style>
+        <p:txBody>
+          <a:bodyPr rtlCol="0" anchor="ctr"/>
+          <a:lstStyle/>
+          <a:p>
+            <a:pPr algn="ctr"/>
+            <a:endParaRPr lang="en-US"/>
+          </a:p>
+        </p:txBody>
+      </p:sp>
+      <p:sp>
+        <p:nvSpPr>
+          <p:cNvPr id="22" name="Rectangle 21"/>
+          <p:cNvSpPr/>
+          <p:nvPr/>
+        </p:nvSpPr>
+        <p:spPr>
+          <a:xfrm>
+            <a:off x="22827343" y="238896"/>
+            <a:ext cx="4976799" cy="490517"/>
+          </a:xfrm>
+          <a:prstGeom prst="rect">
+            <a:avLst/>
+          </a:prstGeom>
+          <a:solidFill>
+            <a:schemeClr val="bg1"/>
+          </a:solidFill>
+          <a:ln>
+            <a:solidFill>
+              <a:schemeClr val="bg1"/>
+            </a:solidFill>
+          </a:ln>
+        </p:spPr>
+        <p:style>
+          <a:lnRef idx="2">
+            <a:schemeClr val="accent1">
+              <a:shade val="50000"/>
+            </a:schemeClr>
+          </a:lnRef>
+          <a:fillRef idx="1">
+            <a:schemeClr val="accent1"/>
+          </a:fillRef>
+          <a:effectRef idx="0">
+            <a:schemeClr val="accent1"/>
+          </a:effectRef>
+          <a:fontRef idx="minor">
+            <a:schemeClr val="lt1"/>
+          </a:fontRef>
+        </p:style>
+        <p:txBody>
+          <a:bodyPr rtlCol="0" anchor="ctr"/>
+          <a:lstStyle/>
+          <a:p>
+            <a:pPr algn="ctr"/>
+            <a:endParaRPr lang="en-US"/>
+          </a:p>
+        </p:txBody>
+      </p:sp>
+      <p:sp>
+        <p:nvSpPr>
+          <p:cNvPr id="23" name="Rectangle 22"/>
+          <p:cNvSpPr/>
+          <p:nvPr/>
+        </p:nvSpPr>
+        <p:spPr>
+          <a:xfrm>
+            <a:off x="21398766" y="1026522"/>
+            <a:ext cx="384121" cy="4085282"/>
+          </a:xfrm>
+          <a:prstGeom prst="rect">
+            <a:avLst/>
+          </a:prstGeom>
+          <a:solidFill>
+            <a:schemeClr val="bg1"/>
+          </a:solidFill>
+          <a:ln>
+            <a:solidFill>
+              <a:schemeClr val="bg1"/>
+            </a:solidFill>
+          </a:ln>
+        </p:spPr>
+        <p:style>
+          <a:lnRef idx="2">
+            <a:schemeClr val="accent1">
+              <a:shade val="50000"/>
+            </a:schemeClr>
+          </a:lnRef>
+          <a:fillRef idx="1">
+            <a:schemeClr val="accent1"/>
+          </a:fillRef>
+          <a:effectRef idx="0">
+            <a:schemeClr val="accent1"/>
+          </a:effectRef>
+          <a:fontRef idx="minor">
+            <a:schemeClr val="lt1"/>
+          </a:fontRef>
+        </p:style>
+        <p:txBody>
+          <a:bodyPr rtlCol="0" anchor="ctr"/>
+          <a:lstStyle/>
+          <a:p>
+            <a:pPr algn="ctr"/>
+            <a:endParaRPr lang="en-US"/>
+          </a:p>
+        </p:txBody>
+      </p:sp>
+      <p:sp>
+        <p:nvSpPr>
+          <p:cNvPr id="28" name="Rectangle 27"/>
+          <p:cNvSpPr/>
+          <p:nvPr/>
+        </p:nvSpPr>
+        <p:spPr>
+          <a:xfrm>
+            <a:off x="21500444" y="6718506"/>
+            <a:ext cx="330570" cy="4085282"/>
+          </a:xfrm>
+          <a:prstGeom prst="rect">
+            <a:avLst/>
+          </a:prstGeom>
+          <a:solidFill>
+            <a:schemeClr val="bg1"/>
+          </a:solidFill>
+          <a:ln>
+            <a:solidFill>
+              <a:schemeClr val="bg1"/>
+            </a:solidFill>
+          </a:ln>
+        </p:spPr>
+        <p:style>
+          <a:lnRef idx="2">
+            <a:schemeClr val="accent1">
+              <a:shade val="50000"/>
+            </a:schemeClr>
+          </a:lnRef>
+          <a:fillRef idx="1">
+            <a:schemeClr val="accent1"/>
+          </a:fillRef>
+          <a:effectRef idx="0">
+            <a:schemeClr val="accent1"/>
+          </a:effectRef>
+          <a:fontRef idx="minor">
+            <a:schemeClr val="lt1"/>
+          </a:fontRef>
+        </p:style>
+        <p:txBody>
+          <a:bodyPr rtlCol="0" anchor="ctr"/>
+          <a:lstStyle/>
+          <a:p>
+            <a:pPr algn="ctr"/>
+            <a:endParaRPr lang="en-US"/>
+          </a:p>
+        </p:txBody>
+      </p:sp>
+      <p:sp>
+        <p:nvSpPr>
+          <p:cNvPr id="31" name="Rectangle 30"/>
+          <p:cNvSpPr/>
+          <p:nvPr/>
+        </p:nvSpPr>
+        <p:spPr>
+          <a:xfrm>
+            <a:off x="21439745" y="12438185"/>
+            <a:ext cx="384121" cy="4259991"/>
+          </a:xfrm>
+          <a:prstGeom prst="rect">
+            <a:avLst/>
+          </a:prstGeom>
+          <a:solidFill>
+            <a:schemeClr val="bg1"/>
+          </a:solidFill>
+          <a:ln>
+            <a:solidFill>
+              <a:schemeClr val="bg1"/>
+            </a:solidFill>
+          </a:ln>
+        </p:spPr>
+        <p:style>
+          <a:lnRef idx="2">
+            <a:schemeClr val="accent1">
+              <a:shade val="50000"/>
+            </a:schemeClr>
+          </a:lnRef>
+          <a:fillRef idx="1">
+            <a:schemeClr val="accent1"/>
+          </a:fillRef>
+          <a:effectRef idx="0">
+            <a:schemeClr val="accent1"/>
+          </a:effectRef>
+          <a:fontRef idx="minor">
+            <a:schemeClr val="lt1"/>
+          </a:fontRef>
+        </p:style>
+        <p:txBody>
+          <a:bodyPr rtlCol="0" anchor="ctr"/>
+          <a:lstStyle/>
+          <a:p>
+            <a:pPr algn="ctr"/>
+            <a:endParaRPr lang="en-US"/>
+          </a:p>
+        </p:txBody>
+      </p:sp>
+      <p:sp>
+        <p:nvSpPr>
+          <p:cNvPr id="32" name="Rectangle 31"/>
+          <p:cNvSpPr/>
+          <p:nvPr/>
+        </p:nvSpPr>
+        <p:spPr>
+          <a:xfrm>
+            <a:off x="21384485" y="18058455"/>
+            <a:ext cx="430486" cy="4259991"/>
+          </a:xfrm>
+          <a:prstGeom prst="rect">
+            <a:avLst/>
+          </a:prstGeom>
+          <a:solidFill>
+            <a:schemeClr val="bg1"/>
+          </a:solidFill>
+          <a:ln>
+            <a:solidFill>
+              <a:schemeClr val="bg1"/>
+            </a:solidFill>
+          </a:ln>
+        </p:spPr>
+        <p:style>
+          <a:lnRef idx="2">
+            <a:schemeClr val="accent1">
+              <a:shade val="50000"/>
+            </a:schemeClr>
+          </a:lnRef>
+          <a:fillRef idx="1">
+            <a:schemeClr val="accent1"/>
+          </a:fillRef>
+          <a:effectRef idx="0">
+            <a:schemeClr val="accent1"/>
+          </a:effectRef>
+          <a:fontRef idx="minor">
+            <a:schemeClr val="lt1"/>
+          </a:fontRef>
+        </p:style>
+        <p:txBody>
+          <a:bodyPr rtlCol="0" anchor="ctr"/>
+          <a:lstStyle/>
+          <a:p>
+            <a:pPr algn="ctr"/>
+            <a:endParaRPr lang="en-US"/>
+          </a:p>
+        </p:txBody>
+      </p:sp>
+      <p:sp>
+        <p:nvSpPr>
+          <p:cNvPr id="33" name="Rectangle 32"/>
+          <p:cNvSpPr/>
+          <p:nvPr/>
+        </p:nvSpPr>
+        <p:spPr>
+          <a:xfrm>
+            <a:off x="14305850" y="17896581"/>
+            <a:ext cx="430486" cy="4458326"/>
+          </a:xfrm>
+          <a:prstGeom prst="rect">
+            <a:avLst/>
+          </a:prstGeom>
+          <a:solidFill>
+            <a:schemeClr val="bg1"/>
+          </a:solidFill>
+          <a:ln>
+            <a:solidFill>
+              <a:schemeClr val="bg1"/>
+            </a:solidFill>
+          </a:ln>
+        </p:spPr>
+        <p:style>
+          <a:lnRef idx="2">
+            <a:schemeClr val="accent1">
+              <a:shade val="50000"/>
+            </a:schemeClr>
+          </a:lnRef>
+          <a:fillRef idx="1">
+            <a:schemeClr val="accent1"/>
+          </a:fillRef>
+          <a:effectRef idx="0">
+            <a:schemeClr val="accent1"/>
+          </a:effectRef>
+          <a:fontRef idx="minor">
+            <a:schemeClr val="lt1"/>
+          </a:fontRef>
+        </p:style>
+        <p:txBody>
+          <a:bodyPr rtlCol="0" anchor="ctr"/>
+          <a:lstStyle/>
+          <a:p>
+            <a:pPr algn="ctr"/>
+            <a:endParaRPr lang="en-US"/>
+          </a:p>
+        </p:txBody>
+      </p:sp>
+      <p:sp>
+        <p:nvSpPr>
+          <p:cNvPr id="34" name="Rectangle 33"/>
+          <p:cNvSpPr/>
+          <p:nvPr/>
+        </p:nvSpPr>
+        <p:spPr>
+          <a:xfrm>
+            <a:off x="14295352" y="12318886"/>
+            <a:ext cx="430486" cy="4458326"/>
+          </a:xfrm>
+          <a:prstGeom prst="rect">
+            <a:avLst/>
+          </a:prstGeom>
+          <a:solidFill>
+            <a:schemeClr val="bg1"/>
+          </a:solidFill>
+          <a:ln>
+            <a:solidFill>
+              <a:schemeClr val="bg1"/>
+            </a:solidFill>
+          </a:ln>
+        </p:spPr>
+        <p:style>
+          <a:lnRef idx="2">
+            <a:schemeClr val="accent1">
+              <a:shade val="50000"/>
+            </a:schemeClr>
+          </a:lnRef>
+          <a:fillRef idx="1">
+            <a:schemeClr val="accent1"/>
+          </a:fillRef>
+          <a:effectRef idx="0">
+            <a:schemeClr val="accent1"/>
+          </a:effectRef>
+          <a:fontRef idx="minor">
+            <a:schemeClr val="lt1"/>
+          </a:fontRef>
+        </p:style>
+        <p:txBody>
+          <a:bodyPr rtlCol="0" anchor="ctr"/>
+          <a:lstStyle/>
+          <a:p>
+            <a:pPr algn="ctr"/>
+            <a:endParaRPr lang="en-US"/>
+          </a:p>
+        </p:txBody>
+      </p:sp>
+      <p:sp>
+        <p:nvSpPr>
+          <p:cNvPr id="35" name="Rectangle 34"/>
+          <p:cNvSpPr/>
+          <p:nvPr/>
+        </p:nvSpPr>
+        <p:spPr>
+          <a:xfrm>
+            <a:off x="14318555" y="6362509"/>
+            <a:ext cx="343479" cy="4458326"/>
+          </a:xfrm>
+          <a:prstGeom prst="rect">
+            <a:avLst/>
+          </a:prstGeom>
+          <a:solidFill>
+            <a:schemeClr val="bg1"/>
+          </a:solidFill>
+          <a:ln>
+            <a:solidFill>
+              <a:schemeClr val="bg1"/>
+            </a:solidFill>
+          </a:ln>
+        </p:spPr>
+        <p:style>
+          <a:lnRef idx="2">
+            <a:schemeClr val="accent1">
+              <a:shade val="50000"/>
+            </a:schemeClr>
+          </a:lnRef>
+          <a:fillRef idx="1">
+            <a:schemeClr val="accent1"/>
+          </a:fillRef>
+          <a:effectRef idx="0">
+            <a:schemeClr val="accent1"/>
+          </a:effectRef>
+          <a:fontRef idx="minor">
+            <a:schemeClr val="lt1"/>
+          </a:fontRef>
+        </p:style>
+        <p:txBody>
+          <a:bodyPr rtlCol="0" anchor="ctr"/>
+          <a:lstStyle/>
+          <a:p>
+            <a:pPr algn="ctr"/>
+            <a:endParaRPr lang="en-US"/>
+          </a:p>
+        </p:txBody>
+      </p:sp>
+      <p:sp>
+        <p:nvSpPr>
+          <p:cNvPr id="36" name="Rectangle 35"/>
+          <p:cNvSpPr/>
+          <p:nvPr/>
+        </p:nvSpPr>
+        <p:spPr>
+          <a:xfrm>
+            <a:off x="6968005" y="6401348"/>
+            <a:ext cx="430486" cy="4458326"/>
+          </a:xfrm>
+          <a:prstGeom prst="rect">
+            <a:avLst/>
+          </a:prstGeom>
+          <a:solidFill>
+            <a:schemeClr val="bg1"/>
+          </a:solidFill>
+          <a:ln>
+            <a:solidFill>
+              <a:schemeClr val="bg1"/>
+            </a:solidFill>
+          </a:ln>
+        </p:spPr>
+        <p:style>
+          <a:lnRef idx="2">
+            <a:schemeClr val="accent1">
+              <a:shade val="50000"/>
+            </a:schemeClr>
+          </a:lnRef>
+          <a:fillRef idx="1">
+            <a:schemeClr val="accent1"/>
+          </a:fillRef>
+          <a:effectRef idx="0">
+            <a:schemeClr val="accent1"/>
+          </a:effectRef>
+          <a:fontRef idx="minor">
+            <a:schemeClr val="lt1"/>
+          </a:fontRef>
+        </p:style>
+        <p:txBody>
+          <a:bodyPr rtlCol="0" anchor="ctr"/>
+          <a:lstStyle/>
+          <a:p>
+            <a:pPr algn="ctr"/>
+            <a:endParaRPr lang="en-US"/>
+          </a:p>
+        </p:txBody>
+      </p:sp>
+      <p:sp>
+        <p:nvSpPr>
+          <p:cNvPr id="37" name="Rectangle 36"/>
+          <p:cNvSpPr/>
+          <p:nvPr/>
+        </p:nvSpPr>
+        <p:spPr>
+          <a:xfrm>
+            <a:off x="7113549" y="12120124"/>
+            <a:ext cx="430486" cy="4458326"/>
+          </a:xfrm>
+          <a:prstGeom prst="rect">
+            <a:avLst/>
+          </a:prstGeom>
+          <a:solidFill>
+            <a:schemeClr val="bg1"/>
+          </a:solidFill>
+          <a:ln>
+            <a:solidFill>
+              <a:schemeClr val="bg1"/>
+            </a:solidFill>
+          </a:ln>
+        </p:spPr>
+        <p:style>
+          <a:lnRef idx="2">
+            <a:schemeClr val="accent1">
+              <a:shade val="50000"/>
+            </a:schemeClr>
+          </a:lnRef>
+          <a:fillRef idx="1">
+            <a:schemeClr val="accent1"/>
+          </a:fillRef>
+          <a:effectRef idx="0">
+            <a:schemeClr val="accent1"/>
+          </a:effectRef>
+          <a:fontRef idx="minor">
+            <a:schemeClr val="lt1"/>
+          </a:fontRef>
+        </p:style>
+        <p:txBody>
+          <a:bodyPr rtlCol="0" anchor="ctr"/>
+          <a:lstStyle/>
+          <a:p>
+            <a:pPr algn="ctr"/>
+            <a:endParaRPr lang="en-US"/>
+          </a:p>
+        </p:txBody>
+      </p:sp>
+      <p:sp>
+        <p:nvSpPr>
+          <p:cNvPr id="38" name="Rectangle 37"/>
+          <p:cNvSpPr/>
+          <p:nvPr/>
+        </p:nvSpPr>
+        <p:spPr>
+          <a:xfrm>
+            <a:off x="7224677" y="17852316"/>
+            <a:ext cx="319358" cy="2038039"/>
+          </a:xfrm>
+          <a:prstGeom prst="rect">
+            <a:avLst/>
+          </a:prstGeom>
+          <a:solidFill>
+            <a:schemeClr val="bg1"/>
+          </a:solidFill>
+          <a:ln>
+            <a:solidFill>
+              <a:schemeClr val="bg1"/>
+            </a:solidFill>
+          </a:ln>
+        </p:spPr>
+        <p:style>
+          <a:lnRef idx="2">
+            <a:schemeClr val="accent1">
+              <a:shade val="50000"/>
+            </a:schemeClr>
+          </a:lnRef>
+          <a:fillRef idx="1">
+            <a:schemeClr val="accent1"/>
+          </a:fillRef>
+          <a:effectRef idx="0">
+            <a:schemeClr val="accent1"/>
+          </a:effectRef>
+          <a:fontRef idx="minor">
+            <a:schemeClr val="lt1"/>
+          </a:fontRef>
+        </p:style>
+        <p:txBody>
+          <a:bodyPr rtlCol="0" anchor="ctr"/>
+          <a:lstStyle/>
+          <a:p>
+            <a:pPr algn="ctr"/>
+            <a:endParaRPr lang="en-US"/>
+          </a:p>
+        </p:txBody>
+      </p:sp>
+      <p:sp>
+        <p:nvSpPr>
+          <p:cNvPr id="39" name="Rectangle 38"/>
+          <p:cNvSpPr/>
+          <p:nvPr/>
+        </p:nvSpPr>
+        <p:spPr>
+          <a:xfrm>
+            <a:off x="140263" y="18058455"/>
+            <a:ext cx="273319" cy="4458326"/>
+          </a:xfrm>
+          <a:prstGeom prst="rect">
+            <a:avLst/>
+          </a:prstGeom>
+          <a:solidFill>
+            <a:schemeClr val="bg1"/>
+          </a:solidFill>
+          <a:ln>
+            <a:solidFill>
+              <a:schemeClr val="bg1"/>
+            </a:solidFill>
+          </a:ln>
+        </p:spPr>
+        <p:style>
+          <a:lnRef idx="2">
+            <a:schemeClr val="accent1">
+              <a:shade val="50000"/>
+            </a:schemeClr>
+          </a:lnRef>
+          <a:fillRef idx="1">
+            <a:schemeClr val="accent1"/>
+          </a:fillRef>
+          <a:effectRef idx="0">
+            <a:schemeClr val="accent1"/>
+          </a:effectRef>
+          <a:fontRef idx="minor">
+            <a:schemeClr val="lt1"/>
+          </a:fontRef>
+        </p:style>
+        <p:txBody>
+          <a:bodyPr rtlCol="0" anchor="ctr"/>
+          <a:lstStyle/>
+          <a:p>
+            <a:pPr algn="ctr"/>
+            <a:endParaRPr lang="en-US"/>
+          </a:p>
+        </p:txBody>
+      </p:sp>
+      <p:sp>
+        <p:nvSpPr>
+          <p:cNvPr id="40" name="Rectangle 39"/>
+          <p:cNvSpPr/>
+          <p:nvPr/>
+        </p:nvSpPr>
+        <p:spPr>
+          <a:xfrm>
+            <a:off x="196171" y="12120124"/>
+            <a:ext cx="198145" cy="2041353"/>
+          </a:xfrm>
+          <a:prstGeom prst="rect">
+            <a:avLst/>
+          </a:prstGeom>
+          <a:solidFill>
+            <a:schemeClr val="bg1"/>
+          </a:solidFill>
+          <a:ln>
+            <a:solidFill>
+              <a:schemeClr val="bg1"/>
+            </a:solidFill>
+          </a:ln>
+        </p:spPr>
+        <p:style>
+          <a:lnRef idx="2">
+            <a:schemeClr val="accent1">
+              <a:shade val="50000"/>
+            </a:schemeClr>
+          </a:lnRef>
+          <a:fillRef idx="1">
+            <a:schemeClr val="accent1"/>
+          </a:fillRef>
+          <a:effectRef idx="0">
+            <a:schemeClr val="accent1"/>
+          </a:effectRef>
+          <a:fontRef idx="minor">
+            <a:schemeClr val="lt1"/>
+          </a:fontRef>
+        </p:style>
+        <p:txBody>
+          <a:bodyPr rtlCol="0" anchor="ctr"/>
+          <a:lstStyle/>
+          <a:p>
+            <a:pPr algn="ctr"/>
+            <a:endParaRPr lang="en-US"/>
+          </a:p>
+        </p:txBody>
+      </p:sp>
+      <p:sp>
+        <p:nvSpPr>
+          <p:cNvPr id="41" name="Rectangle 40"/>
+          <p:cNvSpPr/>
+          <p:nvPr/>
+        </p:nvSpPr>
+        <p:spPr>
+          <a:xfrm>
+            <a:off x="295594" y="14686048"/>
+            <a:ext cx="232023" cy="2041353"/>
+          </a:xfrm>
+          <a:prstGeom prst="rect">
+            <a:avLst/>
+          </a:prstGeom>
+          <a:solidFill>
+            <a:schemeClr val="bg1"/>
+          </a:solidFill>
+          <a:ln>
+            <a:solidFill>
+              <a:schemeClr val="bg1"/>
+            </a:solidFill>
+          </a:ln>
+        </p:spPr>
+        <p:style>
+          <a:lnRef idx="2">
+            <a:schemeClr val="accent1">
+              <a:shade val="50000"/>
+            </a:schemeClr>
+          </a:lnRef>
+          <a:fillRef idx="1">
+            <a:schemeClr val="accent1"/>
+          </a:fillRef>
+          <a:effectRef idx="0">
+            <a:schemeClr val="accent1"/>
+          </a:effectRef>
+          <a:fontRef idx="minor">
+            <a:schemeClr val="lt1"/>
+          </a:fontRef>
+        </p:style>
+        <p:txBody>
+          <a:bodyPr rtlCol="0" anchor="ctr"/>
+          <a:lstStyle/>
+          <a:p>
+            <a:pPr algn="ctr"/>
+            <a:endParaRPr lang="en-US"/>
+          </a:p>
+        </p:txBody>
+      </p:sp>
+      <p:sp>
+        <p:nvSpPr>
+          <p:cNvPr id="42" name="TextBox 41"/>
+          <p:cNvSpPr txBox="1"/>
+          <p:nvPr/>
+        </p:nvSpPr>
+        <p:spPr>
+          <a:xfrm rot="16200000">
+            <a:off x="-891510" y="18428096"/>
+            <a:ext cx="2339743" cy="584775"/>
+          </a:xfrm>
+          <a:prstGeom prst="rect">
+            <a:avLst/>
+          </a:prstGeom>
+          <a:noFill/>
+        </p:spPr>
+        <p:txBody>
+          <a:bodyPr wrap="none" rtlCol="0">
+            <a:spAutoFit/>
+          </a:bodyPr>
+          <a:lstStyle/>
+          <a:p>
+            <a:r>
+              <a:rPr lang="en-US" sz="3200" dirty="0" smtClean="0"/>
+              <a:t>Voltage (mV)</a:t>
+            </a:r>
+            <a:endParaRPr lang="en-US" sz="3200" dirty="0"/>
+          </a:p>
+        </p:txBody>
+      </p:sp>
+      <p:sp>
+        <p:nvSpPr>
+          <p:cNvPr id="43" name="TextBox 42"/>
+          <p:cNvSpPr txBox="1"/>
+          <p:nvPr/>
+        </p:nvSpPr>
+        <p:spPr>
+          <a:xfrm rot="16200000">
+            <a:off x="-988181" y="20998814"/>
+            <a:ext cx="2552365" cy="584775"/>
+          </a:xfrm>
+          <a:prstGeom prst="rect">
+            <a:avLst/>
+          </a:prstGeom>
+          <a:noFill/>
+        </p:spPr>
+        <p:txBody>
+          <a:bodyPr wrap="none" rtlCol="0">
+            <a:spAutoFit/>
+          </a:bodyPr>
+          <a:lstStyle/>
+          <a:p>
+            <a:r>
+              <a:rPr lang="en-US" sz="3200" dirty="0" smtClean="0"/>
+              <a:t>Synapse Index</a:t>
+            </a:r>
+            <a:endParaRPr lang="en-US" sz="3200" dirty="0"/>
+          </a:p>
+        </p:txBody>
+      </p:sp>
+      <p:sp>
+        <p:nvSpPr>
+          <p:cNvPr id="44" name="TextBox 43"/>
+          <p:cNvSpPr txBox="1"/>
+          <p:nvPr/>
+        </p:nvSpPr>
+        <p:spPr>
+          <a:xfrm>
+            <a:off x="13608006" y="22487888"/>
+            <a:ext cx="1843774" cy="584775"/>
+          </a:xfrm>
+          <a:prstGeom prst="rect">
+            <a:avLst/>
+          </a:prstGeom>
+          <a:noFill/>
+        </p:spPr>
+        <p:txBody>
+          <a:bodyPr wrap="none" rtlCol="0">
+            <a:spAutoFit/>
+          </a:bodyPr>
+          <a:lstStyle/>
+          <a:p>
+            <a:r>
+              <a:rPr lang="en-US" sz="3200" dirty="0" smtClean="0"/>
+              <a:t>Time (</a:t>
+            </a:r>
+            <a:r>
+              <a:rPr lang="en-US" sz="3200" dirty="0" err="1" smtClean="0"/>
+              <a:t>ms</a:t>
+            </a:r>
+            <a:r>
+              <a:rPr lang="en-US" sz="3200" dirty="0" smtClean="0"/>
+              <a:t>)</a:t>
+            </a:r>
+            <a:endParaRPr lang="en-US" sz="3200" dirty="0"/>
+          </a:p>
+        </p:txBody>
+      </p:sp>
+      <p:sp>
+        <p:nvSpPr>
+          <p:cNvPr id="45" name="Rectangle 44"/>
+          <p:cNvSpPr/>
+          <p:nvPr/>
+        </p:nvSpPr>
+        <p:spPr>
+          <a:xfrm>
+            <a:off x="7361338" y="20272181"/>
+            <a:ext cx="319358" cy="2038039"/>
+          </a:xfrm>
+          <a:prstGeom prst="rect">
+            <a:avLst/>
+          </a:prstGeom>
+          <a:solidFill>
+            <a:schemeClr val="bg1"/>
+          </a:solidFill>
+          <a:ln>
+            <a:solidFill>
+              <a:schemeClr val="bg1"/>
+            </a:solidFill>
+          </a:ln>
+        </p:spPr>
+        <p:style>
+          <a:lnRef idx="2">
+            <a:schemeClr val="accent1">
+              <a:shade val="50000"/>
+            </a:schemeClr>
+          </a:lnRef>
+          <a:fillRef idx="1">
+            <a:schemeClr val="accent1"/>
+          </a:fillRef>
+          <a:effectRef idx="0">
+            <a:schemeClr val="accent1"/>
+          </a:effectRef>
+          <a:fontRef idx="minor">
+            <a:schemeClr val="lt1"/>
+          </a:fontRef>
+        </p:style>
+        <p:txBody>
+          <a:bodyPr rtlCol="0" anchor="ctr"/>
+          <a:lstStyle/>
+          <a:p>
+            <a:pPr algn="ctr"/>
+            <a:endParaRPr lang="en-US"/>
+          </a:p>
+        </p:txBody>
+      </p:sp>
+      <p:sp>
+        <p:nvSpPr>
+          <p:cNvPr id="46" name="Rectangle 45"/>
+          <p:cNvSpPr/>
+          <p:nvPr/>
+        </p:nvSpPr>
+        <p:spPr>
+          <a:xfrm>
+            <a:off x="22827343" y="11485200"/>
+            <a:ext cx="4797162" cy="525920"/>
+          </a:xfrm>
+          <a:prstGeom prst="rect">
+            <a:avLst/>
+          </a:prstGeom>
+          <a:solidFill>
+            <a:schemeClr val="bg1"/>
+          </a:solidFill>
+          <a:ln>
+            <a:solidFill>
+              <a:schemeClr val="bg1"/>
+            </a:solidFill>
+          </a:ln>
+        </p:spPr>
+        <p:style>
+          <a:lnRef idx="2">
+            <a:schemeClr val="accent1">
+              <a:shade val="50000"/>
+            </a:schemeClr>
+          </a:lnRef>
+          <a:fillRef idx="1">
+            <a:schemeClr val="accent1"/>
+          </a:fillRef>
+          <a:effectRef idx="0">
+            <a:schemeClr val="accent1"/>
+          </a:effectRef>
+          <a:fontRef idx="minor">
+            <a:schemeClr val="lt1"/>
+          </a:fontRef>
+        </p:style>
+        <p:txBody>
+          <a:bodyPr rtlCol="0" anchor="ctr"/>
+          <a:lstStyle/>
+          <a:p>
+            <a:pPr algn="ctr"/>
+            <a:endParaRPr lang="en-US"/>
+          </a:p>
+        </p:txBody>
+      </p:sp>
+      <p:sp>
+        <p:nvSpPr>
+          <p:cNvPr id="47" name="Rectangle 46"/>
+          <p:cNvSpPr/>
+          <p:nvPr/>
+        </p:nvSpPr>
+        <p:spPr>
+          <a:xfrm>
+            <a:off x="16109142" y="11460961"/>
+            <a:ext cx="4797162" cy="525920"/>
+          </a:xfrm>
+          <a:prstGeom prst="rect">
+            <a:avLst/>
+          </a:prstGeom>
+          <a:solidFill>
+            <a:schemeClr val="bg1"/>
+          </a:solidFill>
+          <a:ln>
+            <a:solidFill>
+              <a:schemeClr val="bg1"/>
+            </a:solidFill>
+          </a:ln>
+        </p:spPr>
+        <p:style>
+          <a:lnRef idx="2">
+            <a:schemeClr val="accent1">
+              <a:shade val="50000"/>
+            </a:schemeClr>
+          </a:lnRef>
+          <a:fillRef idx="1">
+            <a:schemeClr val="accent1"/>
+          </a:fillRef>
+          <a:effectRef idx="0">
+            <a:schemeClr val="accent1"/>
+          </a:effectRef>
+          <a:fontRef idx="minor">
+            <a:schemeClr val="lt1"/>
+          </a:fontRef>
+        </p:style>
+        <p:txBody>
+          <a:bodyPr rtlCol="0" anchor="ctr"/>
+          <a:lstStyle/>
+          <a:p>
+            <a:pPr algn="ctr"/>
+            <a:endParaRPr lang="en-US"/>
+          </a:p>
+        </p:txBody>
+      </p:sp>
+      <p:sp>
+        <p:nvSpPr>
+          <p:cNvPr id="48" name="Rectangle 47"/>
+          <p:cNvSpPr/>
+          <p:nvPr/>
+        </p:nvSpPr>
+        <p:spPr>
+          <a:xfrm>
+            <a:off x="16203101" y="5990963"/>
+            <a:ext cx="11068477" cy="294638"/>
+          </a:xfrm>
+          <a:prstGeom prst="rect">
+            <a:avLst/>
+          </a:prstGeom>
+          <a:solidFill>
+            <a:schemeClr val="bg1"/>
+          </a:solidFill>
+          <a:ln>
+            <a:solidFill>
+              <a:schemeClr val="bg1"/>
+            </a:solidFill>
+          </a:ln>
+        </p:spPr>
+        <p:style>
+          <a:lnRef idx="2">
+            <a:schemeClr val="accent1">
+              <a:shade val="50000"/>
+            </a:schemeClr>
+          </a:lnRef>
+          <a:fillRef idx="1">
+            <a:schemeClr val="accent1"/>
+          </a:fillRef>
+          <a:effectRef idx="0">
+            <a:schemeClr val="accent1"/>
+          </a:effectRef>
+          <a:fontRef idx="minor">
+            <a:schemeClr val="lt1"/>
+          </a:fontRef>
+        </p:style>
+        <p:txBody>
+          <a:bodyPr rtlCol="0" anchor="ctr"/>
+          <a:lstStyle/>
+          <a:p>
+            <a:pPr algn="ctr"/>
+            <a:endParaRPr lang="en-US"/>
+          </a:p>
+        </p:txBody>
+      </p:sp>
     </p:spTree>
     <p:extLst>
       <p:ext uri="{BB962C8B-B14F-4D97-AF65-F5344CB8AC3E}">
